--- a/05-Documents/static architecture.pptx
+++ b/05-Documents/static architecture.pptx
@@ -107,6 +107,11 @@
       </a:defRPr>
     </a:lvl9pPr>
   </p:defaultTextStyle>
+  <p:extLst>
+    <p:ext uri="{EFAFB233-063F-42B5-8137-9DF3F51BA10A}">
+      <p15:sldGuideLst xmlns:p15="http://schemas.microsoft.com/office/powerpoint/2012/main"/>
+    </p:ext>
+  </p:extLst>
 </p:presentation>
 </file>
 
@@ -192,7 +197,7 @@
           <a:p>
             <a:fld id="{91793BB6-E7EB-4DEF-8F04-E85BBCA6B363}" type="datetimeFigureOut">
               <a:rPr lang="en-US" smtClean="0"/>
-              <a:t>4/2/2020</a:t>
+              <a:t>4/9/2020</a:t>
             </a:fld>
             <a:endParaRPr lang="en-US"/>
           </a:p>
@@ -5240,7 +5245,7 @@
               </a:buClr>
             </a:pPr>
             <a:r>
-              <a:rPr lang="en" sz="1867" kern="0" dirty="0">
+              <a:rPr lang="en" sz="1867" kern="0">
                 <a:solidFill>
                   <a:srgbClr val="000000"/>
                 </a:solidFill>
@@ -5248,10 +5253,10 @@
                 <a:cs typeface="Arial"/>
                 <a:sym typeface="Arial"/>
               </a:rPr>
-              <a:t>                                         </a:t>
+              <a:t>                                        </a:t>
             </a:r>
             <a:r>
-              <a:rPr lang="en" sz="2400" b="1" kern="0" dirty="0">
+              <a:rPr lang="en" sz="1867" kern="0" smtClean="0">
                 <a:solidFill>
                   <a:srgbClr val="000000"/>
                 </a:solidFill>
@@ -5259,7 +5264,18 @@
                 <a:cs typeface="Arial"/>
                 <a:sym typeface="Arial"/>
               </a:rPr>
-              <a:t>ECUAL</a:t>
+              <a:t>  </a:t>
+            </a:r>
+            <a:r>
+              <a:rPr lang="en" sz="2400" b="1" kern="0" smtClean="0">
+                <a:solidFill>
+                  <a:srgbClr val="000000"/>
+                </a:solidFill>
+                <a:latin typeface="Arial"/>
+                <a:cs typeface="Arial"/>
+                <a:sym typeface="Arial"/>
+              </a:rPr>
+              <a:t>HAL</a:t>
             </a:r>
             <a:endParaRPr sz="2400" b="1" kern="0" dirty="0">
               <a:solidFill>
@@ -5825,7 +5841,7 @@
         </p:nvSpPr>
         <p:spPr>
           <a:xfrm>
-            <a:off x="4893765" y="1723862"/>
+            <a:off x="6462276" y="1685129"/>
             <a:ext cx="2054087" cy="614973"/>
           </a:xfrm>
           <a:prstGeom prst="rect">
@@ -6028,75 +6044,6 @@
       </p:sp>
       <p:sp>
         <p:nvSpPr>
-          <p:cNvPr id="18" name="Google Shape;57;p13">
-            <a:extLst>
-              <a:ext uri="{FF2B5EF4-FFF2-40B4-BE49-F238E27FC236}">
-                <a16:creationId xmlns:a16="http://schemas.microsoft.com/office/drawing/2014/main" id="{710CD909-1789-4533-9A23-D62CBCAF6D3E}"/>
-              </a:ext>
-            </a:extLst>
-          </p:cNvPr>
-          <p:cNvSpPr/>
-          <p:nvPr/>
-        </p:nvSpPr>
-        <p:spPr>
-          <a:xfrm>
-            <a:off x="8094831" y="1736002"/>
-            <a:ext cx="2054087" cy="614973"/>
-          </a:xfrm>
-          <a:prstGeom prst="rect">
-            <a:avLst/>
-          </a:prstGeom>
-          <a:solidFill>
-            <a:schemeClr val="accent1">
-              <a:lumMod val="60000"/>
-              <a:lumOff val="40000"/>
-            </a:schemeClr>
-          </a:solidFill>
-          <a:ln w="9525" cap="flat" cmpd="sng">
-            <a:solidFill>
-              <a:schemeClr val="dk2"/>
-            </a:solidFill>
-            <a:prstDash val="solid"/>
-            <a:round/>
-            <a:headEnd type="none" w="sm" len="sm"/>
-            <a:tailEnd type="none" w="sm" len="sm"/>
-          </a:ln>
-        </p:spPr>
-        <p:txBody>
-          <a:bodyPr spcFirstLastPara="1" wrap="square" lIns="121900" tIns="121900" rIns="121900" bIns="121900" anchor="ctr" anchorCtr="0">
-            <a:noAutofit/>
-          </a:bodyPr>
-          <a:lstStyle/>
-          <a:p>
-            <a:pPr defTabSz="1219170">
-              <a:buClr>
-                <a:srgbClr val="000000"/>
-              </a:buClr>
-            </a:pPr>
-            <a:r>
-              <a:rPr lang="en-US" sz="2400" b="1" kern="0" dirty="0">
-                <a:solidFill>
-                  <a:srgbClr val="000000"/>
-                </a:solidFill>
-                <a:latin typeface="Arial"/>
-                <a:cs typeface="Arial"/>
-                <a:sym typeface="Arial"/>
-              </a:rPr>
-              <a:t>       main</a:t>
-            </a:r>
-            <a:endParaRPr sz="2400" b="1" kern="0" dirty="0">
-              <a:solidFill>
-                <a:srgbClr val="000000"/>
-              </a:solidFill>
-              <a:latin typeface="Arial"/>
-              <a:cs typeface="Arial"/>
-              <a:sym typeface="Arial"/>
-            </a:endParaRPr>
-          </a:p>
-        </p:txBody>
-      </p:sp>
-      <p:sp>
-        <p:nvSpPr>
           <p:cNvPr id="19" name="Google Shape;58;p13">
             <a:extLst>
               <a:ext uri="{FF2B5EF4-FFF2-40B4-BE49-F238E27FC236}">
@@ -6524,6 +6471,97 @@
                 <a:srgbClr val="000000"/>
               </a:buClr>
             </a:pPr>
+            <a:endParaRPr sz="2400" b="1" kern="0" dirty="0">
+              <a:solidFill>
+                <a:srgbClr val="000000"/>
+              </a:solidFill>
+              <a:latin typeface="Arial"/>
+              <a:cs typeface="Arial"/>
+              <a:sym typeface="Arial"/>
+            </a:endParaRPr>
+          </a:p>
+        </p:txBody>
+      </p:sp>
+      <p:sp>
+        <p:nvSpPr>
+          <p:cNvPr id="20" name="Google Shape;58;p13">
+            <a:extLst>
+              <a:ext uri="{FF2B5EF4-FFF2-40B4-BE49-F238E27FC236}">
+                <a16:creationId xmlns:a16="http://schemas.microsoft.com/office/drawing/2014/main" id="{CB4332C0-E002-42E9-B938-1B75A97F04FB}"/>
+              </a:ext>
+            </a:extLst>
+          </p:cNvPr>
+          <p:cNvSpPr/>
+          <p:nvPr/>
+        </p:nvSpPr>
+        <p:spPr>
+          <a:xfrm>
+            <a:off x="5697738" y="3574949"/>
+            <a:ext cx="1582928" cy="698607"/>
+          </a:xfrm>
+          <a:prstGeom prst="rect">
+            <a:avLst/>
+          </a:prstGeom>
+          <a:solidFill>
+            <a:schemeClr val="accent1">
+              <a:lumMod val="60000"/>
+              <a:lumOff val="40000"/>
+            </a:schemeClr>
+          </a:solidFill>
+          <a:ln w="9525" cap="flat" cmpd="sng">
+            <a:solidFill>
+              <a:schemeClr val="dk2"/>
+            </a:solidFill>
+            <a:prstDash val="solid"/>
+            <a:round/>
+            <a:headEnd type="none" w="sm" len="sm"/>
+            <a:tailEnd type="none" w="sm" len="sm"/>
+          </a:ln>
+        </p:spPr>
+        <p:txBody>
+          <a:bodyPr spcFirstLastPara="1" wrap="square" lIns="121900" tIns="121900" rIns="121900" bIns="121900" anchor="ctr" anchorCtr="0">
+            <a:noAutofit/>
+          </a:bodyPr>
+          <a:lstStyle/>
+          <a:p>
+            <a:pPr defTabSz="1219170">
+              <a:buClr>
+                <a:srgbClr val="000000"/>
+              </a:buClr>
+            </a:pPr>
+            <a:r>
+              <a:rPr lang="en" sz="2400" b="1" kern="0" dirty="0">
+                <a:solidFill>
+                  <a:srgbClr val="000000"/>
+                </a:solidFill>
+                <a:latin typeface="Arial"/>
+                <a:cs typeface="Arial"/>
+                <a:sym typeface="Arial"/>
+              </a:rPr>
+              <a:t>  </a:t>
+            </a:r>
+            <a:r>
+              <a:rPr lang="en" sz="2400" b="1" kern="0" dirty="0" smtClean="0">
+                <a:solidFill>
+                  <a:srgbClr val="000000"/>
+                </a:solidFill>
+                <a:latin typeface="Arial"/>
+                <a:cs typeface="Arial"/>
+                <a:sym typeface="Arial"/>
+              </a:rPr>
+              <a:t>H</a:t>
+            </a:r>
+            <a:r>
+              <a:rPr lang="en-US" sz="2400" b="1" kern="0" dirty="0" smtClean="0">
+                <a:solidFill>
+                  <a:srgbClr val="000000"/>
+                </a:solidFill>
+                <a:latin typeface="Arial"/>
+                <a:cs typeface="Arial"/>
+                <a:sym typeface="Arial"/>
+              </a:rPr>
+              <a:t>UART</a:t>
+            </a:r>
             <a:endParaRPr sz="2400" b="1" kern="0" dirty="0">
               <a:solidFill>
                 <a:srgbClr val="000000"/>
